--- a/4. Predicting the steering angle of a car/Slides/4.2.pptx
+++ b/4. Predicting the steering angle of a car/Slides/4.2.pptx
@@ -3985,17 +3985,28 @@
             </a:r>
           </a:p>
           <a:p>
-            <a:pPr marL="914507" indent="-711281">
+            <a:pPr marL="203226">
               <a:buClr>
                 <a:srgbClr val="434343"/>
               </a:buClr>
-              <a:buChar char="●"/>
             </a:pPr>
-            <a:endParaRPr lang="en-US" sz="4002" dirty="0">
-              <a:solidFill>
-                <a:srgbClr val="434343"/>
-              </a:solidFill>
-            </a:endParaRPr>
+            <a:r>
+              <a:rPr lang="en-US" sz="3600" dirty="0">
+                <a:solidFill>
+                  <a:srgbClr val="434343"/>
+                </a:solidFill>
+                <a:hlinkClick r:id="rId3"/>
+              </a:rPr>
+              <a:t>https://drive.google.com/open?id=1oX7mKolh96gxj-EanR4XuMHkjJrEb6PS</a:t>
+            </a:r>
+            <a:r>
+              <a:rPr lang="en-US" sz="3600" dirty="0">
+                <a:solidFill>
+                  <a:srgbClr val="434343"/>
+                </a:solidFill>
+              </a:rPr>
+              <a:t> </a:t>
+            </a:r>
           </a:p>
           <a:p>
             <a:pPr marL="914507" indent="-711281">
@@ -4023,34 +4034,8 @@
                   <a:srgbClr val="434343"/>
                 </a:solidFill>
               </a:rPr>
-              <a:t>You can download it with the following script:</a:t>
+              <a:t>Note that the dataset is approx. 3GB in size</a:t>
             </a:r>
-          </a:p>
-          <a:p>
-            <a:pPr marL="914507" indent="-711281">
-              <a:buClr>
-                <a:srgbClr val="434343"/>
-              </a:buClr>
-              <a:buChar char="●"/>
-            </a:pPr>
-            <a:endParaRPr lang="en-US" sz="4002" dirty="0">
-              <a:solidFill>
-                <a:srgbClr val="434343"/>
-              </a:solidFill>
-            </a:endParaRPr>
-          </a:p>
-          <a:p>
-            <a:pPr marL="914507" indent="-711281">
-              <a:buClr>
-                <a:srgbClr val="434343"/>
-              </a:buClr>
-              <a:buChar char="●"/>
-            </a:pPr>
-            <a:endParaRPr lang="en-US" sz="4002" dirty="0">
-              <a:solidFill>
-                <a:srgbClr val="434343"/>
-              </a:solidFill>
-            </a:endParaRPr>
           </a:p>
           <a:p>
             <a:pPr marL="914507" indent="-711281">
@@ -4065,7 +4050,7 @@
                   <a:srgbClr val="434343"/>
                 </a:solidFill>
               </a:rPr>
-              <a:t>Note that the image is approx. 3GB in size</a:t>
+              <a:t>Download it to do /data directory, so all images are in /data/data</a:t>
             </a:r>
           </a:p>
           <a:p>
